--- a/notebooks/airr_c/SADIE_AIRR_C_2022.pptx
+++ b/notebooks/airr_c/SADIE_AIRR_C_2022.pptx
@@ -7,8 +7,10 @@
   <p:sldIdLst>
     <p:sldId id="256" r:id="rId2"/>
     <p:sldId id="257" r:id="rId3"/>
-    <p:sldId id="259" r:id="rId4"/>
-    <p:sldId id="258" r:id="rId5"/>
+    <p:sldId id="260" r:id="rId4"/>
+    <p:sldId id="259" r:id="rId5"/>
+    <p:sldId id="258" r:id="rId6"/>
+    <p:sldId id="261" r:id="rId7"/>
   </p:sldIdLst>
   <p:sldSz cx="12192000" cy="6858000"/>
   <p:notesSz cx="6858000" cy="9144000"/>
@@ -3392,6 +3394,35 @@
           <a:chExt cx="0" cy="0"/>
         </a:xfrm>
       </p:grpSpPr>
+      <p:pic>
+        <p:nvPicPr>
+          <p:cNvPr id="10" name="Picture 9" descr="A person sitting on a bench with dogs&#10;&#10;Description automatically generated with medium confidence">
+            <a:extLst>
+              <a:ext uri="{FF2B5EF4-FFF2-40B4-BE49-F238E27FC236}">
+                <a16:creationId xmlns:a16="http://schemas.microsoft.com/office/drawing/2014/main" id="{34DF49B6-9178-97EE-600C-24ACB67D9077}"/>
+              </a:ext>
+            </a:extLst>
+          </p:cNvPr>
+          <p:cNvPicPr>
+            <a:picLocks noChangeAspect="1"/>
+          </p:cNvPicPr>
+          <p:nvPr/>
+        </p:nvPicPr>
+        <p:blipFill rotWithShape="1">
+          <a:blip r:embed="rId2"/>
+          <a:srcRect l="2874" r="6933" b="4"/>
+          <a:stretch/>
+        </p:blipFill>
+        <p:spPr>
+          <a:xfrm>
+            <a:off x="4105938" y="247858"/>
+            <a:ext cx="7836562" cy="6516216"/>
+          </a:xfrm>
+          <a:prstGeom prst="rect">
+            <a:avLst/>
+          </a:prstGeom>
+        </p:spPr>
+      </p:pic>
       <p:sp>
         <p:nvSpPr>
           <p:cNvPr id="25" name="Rectangle 24">
@@ -3562,7 +3593,7 @@
           <p:nvPr/>
         </p:nvPicPr>
         <p:blipFill rotWithShape="1">
-          <a:blip r:embed="rId2"/>
+          <a:blip r:embed="rId3"/>
           <a:srcRect l="9865" r="15001" b="2"/>
           <a:stretch/>
         </p:blipFill>
@@ -3591,13 +3622,13 @@
           <p:nvPr/>
         </p:nvPicPr>
         <p:blipFill rotWithShape="1">
-          <a:blip r:embed="rId3"/>
+          <a:blip r:embed="rId4"/>
           <a:srcRect t="15750" r="2" b="21995"/>
           <a:stretch/>
         </p:blipFill>
         <p:spPr>
           <a:xfrm>
-            <a:off x="4184141" y="165371"/>
+            <a:off x="4193118" y="89463"/>
             <a:ext cx="3826711" cy="3176540"/>
           </a:xfrm>
           <a:prstGeom prst="rect">
@@ -3620,7 +3651,7 @@
           <p:nvPr/>
         </p:nvPicPr>
         <p:blipFill rotWithShape="1">
-          <a:blip r:embed="rId4"/>
+          <a:blip r:embed="rId5"/>
           <a:srcRect l="1931" r="17925" b="-2"/>
           <a:stretch/>
         </p:blipFill>
@@ -3649,7 +3680,7 @@
           <p:nvPr/>
         </p:nvPicPr>
         <p:blipFill rotWithShape="1">
-          <a:blip r:embed="rId5"/>
+          <a:blip r:embed="rId6"/>
           <a:srcRect t="21163" r="2" b="16483"/>
           <a:stretch/>
         </p:blipFill>
@@ -3665,10 +3696,10 @@
       </p:pic>
       <p:pic>
         <p:nvPicPr>
-          <p:cNvPr id="10" name="Picture 9" descr="A person sitting on a bench with dogs&#10;&#10;Description automatically generated with medium confidence">
-            <a:extLst>
-              <a:ext uri="{FF2B5EF4-FFF2-40B4-BE49-F238E27FC236}">
-                <a16:creationId xmlns:a16="http://schemas.microsoft.com/office/drawing/2014/main" id="{34DF49B6-9178-97EE-600C-24ACB67D9077}"/>
+          <p:cNvPr id="17" name="Picture 16" descr="A person sitting on a bench with dogs&#10;&#10;Description automatically generated with medium confidence">
+            <a:extLst>
+              <a:ext uri="{FF2B5EF4-FFF2-40B4-BE49-F238E27FC236}">
+                <a16:creationId xmlns:a16="http://schemas.microsoft.com/office/drawing/2014/main" id="{E91712C5-616F-0BC0-B507-74BB71447570}"/>
               </a:ext>
             </a:extLst>
           </p:cNvPr>
@@ -3678,14 +3709,14 @@
           <p:nvPr/>
         </p:nvPicPr>
         <p:blipFill rotWithShape="1">
-          <a:blip r:embed="rId6"/>
-          <a:srcRect l="2874" r="6933" b="4"/>
+          <a:blip r:embed="rId2"/>
+          <a:srcRect l="62225" r="6933" b="4"/>
           <a:stretch/>
         </p:blipFill>
         <p:spPr>
           <a:xfrm>
-            <a:off x="4184142" y="159910"/>
-            <a:ext cx="7836562" cy="6516216"/>
+            <a:off x="9315450" y="247858"/>
+            <a:ext cx="2679819" cy="6516216"/>
           </a:xfrm>
           <a:prstGeom prst="rect">
             <a:avLst/>
@@ -3916,6 +3947,132 @@
                                           </p:stCondLst>
                                         </p:cTn>
                                         <p:tgtEl>
+                                          <p:spTgt spid="17"/>
+                                        </p:tgtEl>
+                                        <p:attrNameLst>
+                                          <p:attrName>style.visibility</p:attrName>
+                                        </p:attrNameLst>
+                                      </p:cBhvr>
+                                      <p:to>
+                                        <p:strVal val="visible"/>
+                                      </p:to>
+                                    </p:set>
+                                  </p:childTnLst>
+                                </p:cTn>
+                              </p:par>
+                              <p:par>
+                                <p:cTn id="23" presetID="1" presetClass="exit" presetSubtype="0" fill="hold" nodeType="withEffect">
+                                  <p:stCondLst>
+                                    <p:cond delay="0"/>
+                                  </p:stCondLst>
+                                  <p:childTnLst>
+                                    <p:set>
+                                      <p:cBhvr>
+                                        <p:cTn id="24" dur="1" fill="hold">
+                                          <p:stCondLst>
+                                            <p:cond delay="0"/>
+                                          </p:stCondLst>
+                                        </p:cTn>
+                                        <p:tgtEl>
+                                          <p:spTgt spid="8"/>
+                                        </p:tgtEl>
+                                        <p:attrNameLst>
+                                          <p:attrName>style.visibility</p:attrName>
+                                        </p:attrNameLst>
+                                      </p:cBhvr>
+                                      <p:to>
+                                        <p:strVal val="hidden"/>
+                                      </p:to>
+                                    </p:set>
+                                  </p:childTnLst>
+                                </p:cTn>
+                              </p:par>
+                              <p:par>
+                                <p:cTn id="25" presetID="1" presetClass="exit" presetSubtype="0" fill="hold" nodeType="withEffect">
+                                  <p:stCondLst>
+                                    <p:cond delay="0"/>
+                                  </p:stCondLst>
+                                  <p:childTnLst>
+                                    <p:set>
+                                      <p:cBhvr>
+                                        <p:cTn id="26" dur="1" fill="hold">
+                                          <p:stCondLst>
+                                            <p:cond delay="0"/>
+                                          </p:stCondLst>
+                                        </p:cTn>
+                                        <p:tgtEl>
+                                          <p:spTgt spid="6"/>
+                                        </p:tgtEl>
+                                        <p:attrNameLst>
+                                          <p:attrName>style.visibility</p:attrName>
+                                        </p:attrNameLst>
+                                      </p:cBhvr>
+                                      <p:to>
+                                        <p:strVal val="hidden"/>
+                                      </p:to>
+                                    </p:set>
+                                  </p:childTnLst>
+                                </p:cTn>
+                              </p:par>
+                              <p:par>
+                                <p:cTn id="27" presetID="1" presetClass="exit" presetSubtype="0" fill="hold" nodeType="withEffect">
+                                  <p:stCondLst>
+                                    <p:cond delay="0"/>
+                                  </p:stCondLst>
+                                  <p:childTnLst>
+                                    <p:set>
+                                      <p:cBhvr>
+                                        <p:cTn id="28" dur="1" fill="hold">
+                                          <p:stCondLst>
+                                            <p:cond delay="0"/>
+                                          </p:stCondLst>
+                                        </p:cTn>
+                                        <p:tgtEl>
+                                          <p:spTgt spid="3"/>
+                                        </p:tgtEl>
+                                        <p:attrNameLst>
+                                          <p:attrName>style.visibility</p:attrName>
+                                        </p:attrNameLst>
+                                      </p:cBhvr>
+                                      <p:to>
+                                        <p:strVal val="hidden"/>
+                                      </p:to>
+                                    </p:set>
+                                  </p:childTnLst>
+                                </p:cTn>
+                              </p:par>
+                            </p:childTnLst>
+                          </p:cTn>
+                        </p:par>
+                      </p:childTnLst>
+                    </p:cTn>
+                  </p:par>
+                  <p:par>
+                    <p:cTn id="29" fill="hold">
+                      <p:stCondLst>
+                        <p:cond delay="indefinite"/>
+                      </p:stCondLst>
+                      <p:childTnLst>
+                        <p:par>
+                          <p:cTn id="30" fill="hold">
+                            <p:stCondLst>
+                              <p:cond delay="0"/>
+                            </p:stCondLst>
+                            <p:childTnLst>
+                              <p:par>
+                                <p:cTn id="31" presetID="1" presetClass="entr" presetSubtype="0" fill="hold" nodeType="clickEffect">
+                                  <p:stCondLst>
+                                    <p:cond delay="0"/>
+                                  </p:stCondLst>
+                                  <p:childTnLst>
+                                    <p:set>
+                                      <p:cBhvr>
+                                        <p:cTn id="32" dur="1" fill="hold">
+                                          <p:stCondLst>
+                                            <p:cond delay="0"/>
+                                          </p:stCondLst>
+                                        </p:cTn>
+                                        <p:tgtEl>
                                           <p:spTgt spid="10"/>
                                         </p:tgtEl>
                                         <p:attrNameLst>
@@ -3991,8 +4148,8 @@
         </p:nvSpPr>
         <p:spPr>
           <a:xfrm>
-            <a:off x="388620" y="533239"/>
-            <a:ext cx="10948176" cy="5395580"/>
+            <a:off x="174308" y="226219"/>
+            <a:ext cx="10948176" cy="523220"/>
           </a:xfrm>
           <a:prstGeom prst="rect">
             <a:avLst/>
@@ -4011,142 +4168,90 @@
                 <a:ea typeface="Helvetica Neue" panose="02000503000000020004" pitchFamily="2" charset="0"/>
                 <a:cs typeface="Helvetica Neue" panose="02000503000000020004" pitchFamily="2" charset="0"/>
               </a:rPr>
-              <a:t>SADIE is:</a:t>
-            </a:r>
-          </a:p>
-          <a:p>
-            <a:endParaRPr lang="en-US" sz="2800" dirty="0">
-              <a:latin typeface="Helvetica Neue" panose="02000503000000020004" pitchFamily="2" charset="0"/>
-              <a:ea typeface="Helvetica Neue" panose="02000503000000020004" pitchFamily="2" charset="0"/>
-              <a:cs typeface="Helvetica Neue" panose="02000503000000020004" pitchFamily="2" charset="0"/>
-            </a:endParaRPr>
-          </a:p>
-          <a:p>
-            <a:pPr marL="514350" indent="-514350">
-              <a:lnSpc>
-                <a:spcPct val="150000"/>
-              </a:lnSpc>
-              <a:buAutoNum type="arabicPeriod"/>
+              <a:t>Motivation:</a:t>
+            </a:r>
+          </a:p>
+        </p:txBody>
+      </p:sp>
+      <p:sp>
+        <p:nvSpPr>
+          <p:cNvPr id="2" name="TextBox 1">
+            <a:extLst>
+              <a:ext uri="{FF2B5EF4-FFF2-40B4-BE49-F238E27FC236}">
+                <a16:creationId xmlns:a16="http://schemas.microsoft.com/office/drawing/2014/main" id="{1DC0226E-E9A5-CE35-D3CA-9D259046D8A6}"/>
+              </a:ext>
+            </a:extLst>
+          </p:cNvPr>
+          <p:cNvSpPr txBox="1"/>
+          <p:nvPr/>
+        </p:nvSpPr>
+        <p:spPr>
+          <a:xfrm>
+            <a:off x="685800" y="1057275"/>
+            <a:ext cx="11281230" cy="2308324"/>
+          </a:xfrm>
+          <a:prstGeom prst="rect">
+            <a:avLst/>
+          </a:prstGeom>
+          <a:noFill/>
+        </p:spPr>
+        <p:txBody>
+          <a:bodyPr wrap="none" rtlCol="0">
+            <a:spAutoFit/>
+          </a:bodyPr>
+          <a:lstStyle/>
+          <a:p>
+            <a:r>
+              <a:rPr lang="en-US" dirty="0"/>
+              <a:t>G001, the first HIV vaccine trial to meet it’s primary endpoint needed a standardized sequencing analysis pipeline. </a:t>
+            </a:r>
+          </a:p>
+          <a:p>
+            <a:endParaRPr lang="en-US" dirty="0"/>
+          </a:p>
+          <a:p>
+            <a:pPr marL="285750" indent="-285750">
+              <a:buFontTx/>
+              <a:buChar char="-"/>
             </a:pPr>
             <a:r>
-              <a:rPr lang="en-US" sz="2800" dirty="0">
-                <a:latin typeface="Helvetica Neue" panose="02000503000000020004" pitchFamily="2" charset="0"/>
-                <a:ea typeface="Helvetica Neue" panose="02000503000000020004" pitchFamily="2" charset="0"/>
-                <a:cs typeface="Helvetica Neue" panose="02000503000000020004" pitchFamily="2" charset="0"/>
-              </a:rPr>
-              <a:t>A low-, mid- and high-level API library for </a:t>
-            </a:r>
-            <a:r>
-              <a:rPr lang="en-US" sz="2800" dirty="0" err="1">
-                <a:latin typeface="Helvetica Neue" panose="02000503000000020004" pitchFamily="2" charset="0"/>
-                <a:ea typeface="Helvetica Neue" panose="02000503000000020004" pitchFamily="2" charset="0"/>
-                <a:cs typeface="Helvetica Neue" panose="02000503000000020004" pitchFamily="2" charset="0"/>
-              </a:rPr>
-              <a:t>immunoinformatics</a:t>
-            </a:r>
-            <a:r>
-              <a:rPr lang="en-US" sz="2800" dirty="0">
-                <a:latin typeface="Helvetica Neue" panose="02000503000000020004" pitchFamily="2" charset="0"/>
-                <a:ea typeface="Helvetica Neue" panose="02000503000000020004" pitchFamily="2" charset="0"/>
-                <a:cs typeface="Helvetica Neue" panose="02000503000000020004" pitchFamily="2" charset="0"/>
-              </a:rPr>
-              <a:t>. </a:t>
-            </a:r>
-          </a:p>
-          <a:p>
-            <a:pPr marL="514350" indent="-514350">
-              <a:lnSpc>
-                <a:spcPct val="150000"/>
-              </a:lnSpc>
-              <a:buAutoNum type="arabicPeriod"/>
+              <a:rPr lang="en-US" dirty="0"/>
+              <a:t>Lots of people touching data and needing to verify the analysis. </a:t>
+            </a:r>
+          </a:p>
+          <a:p>
+            <a:pPr marL="285750" indent="-285750">
+              <a:buFontTx/>
+              <a:buChar char="-"/>
             </a:pPr>
             <a:r>
-              <a:rPr lang="en-US" sz="2800" dirty="0">
-                <a:latin typeface="Helvetica Neue" panose="02000503000000020004" pitchFamily="2" charset="0"/>
-                <a:ea typeface="Helvetica Neue" panose="02000503000000020004" pitchFamily="2" charset="0"/>
-                <a:cs typeface="Helvetica Neue" panose="02000503000000020004" pitchFamily="2" charset="0"/>
-              </a:rPr>
-              <a:t>Testable, reusable and portable Python library.</a:t>
-            </a:r>
-          </a:p>
-          <a:p>
-            <a:pPr marL="514350" indent="-514350">
-              <a:lnSpc>
-                <a:spcPct val="150000"/>
-              </a:lnSpc>
-              <a:buAutoNum type="arabicPeriod"/>
+              <a:rPr lang="en-US" dirty="0"/>
+              <a:t>These included a vast range of computational expertise.</a:t>
+            </a:r>
+          </a:p>
+          <a:p>
+            <a:pPr marL="285750" indent="-285750">
+              <a:buFontTx/>
+              <a:buChar char="-"/>
             </a:pPr>
             <a:r>
-              <a:rPr lang="en-US" sz="2800" dirty="0">
-                <a:latin typeface="Helvetica Neue" panose="02000503000000020004" pitchFamily="2" charset="0"/>
-                <a:ea typeface="Helvetica Neue" panose="02000503000000020004" pitchFamily="2" charset="0"/>
-                <a:cs typeface="Helvetica Neue" panose="02000503000000020004" pitchFamily="2" charset="0"/>
-              </a:rPr>
-              <a:t>One step installation.</a:t>
-            </a:r>
-          </a:p>
-          <a:p>
-            <a:pPr marL="514350" indent="-514350">
-              <a:lnSpc>
-                <a:spcPct val="150000"/>
-              </a:lnSpc>
-              <a:buAutoNum type="arabicPeriod"/>
-            </a:pPr>
-            <a:r>
-              <a:rPr lang="en-US" sz="2800" dirty="0">
-                <a:latin typeface="Helvetica Neue" panose="02000503000000020004" pitchFamily="2" charset="0"/>
-                <a:ea typeface="Helvetica Neue" panose="02000503000000020004" pitchFamily="2" charset="0"/>
-                <a:cs typeface="Helvetica Neue" panose="02000503000000020004" pitchFamily="2" charset="0"/>
-              </a:rPr>
-              <a:t>Provide a customized and verified germline reference library</a:t>
-            </a:r>
-          </a:p>
-          <a:p>
-            <a:pPr marL="514350" indent="-514350">
-              <a:lnSpc>
-                <a:spcPct val="150000"/>
-              </a:lnSpc>
-              <a:buAutoNum type="arabicPeriod"/>
-            </a:pPr>
-            <a:r>
-              <a:rPr lang="en-US" sz="2800" dirty="0">
-                <a:latin typeface="Helvetica Neue" panose="02000503000000020004" pitchFamily="2" charset="0"/>
-                <a:ea typeface="Helvetica Neue" panose="02000503000000020004" pitchFamily="2" charset="0"/>
-                <a:cs typeface="Helvetica Neue" panose="02000503000000020004" pitchFamily="2" charset="0"/>
-              </a:rPr>
-              <a:t>Creates germline references on the fly</a:t>
-            </a:r>
-          </a:p>
-          <a:p>
-            <a:pPr marL="514350" indent="-514350">
-              <a:lnSpc>
-                <a:spcPct val="150000"/>
-              </a:lnSpc>
-              <a:buAutoNum type="arabicPeriod"/>
-            </a:pPr>
-            <a:r>
-              <a:rPr lang="en-US" sz="2800" dirty="0">
-                <a:latin typeface="Helvetica Neue" panose="02000503000000020004" pitchFamily="2" charset="0"/>
-                <a:ea typeface="Helvetica Neue" panose="02000503000000020004" pitchFamily="2" charset="0"/>
-                <a:cs typeface="Helvetica Neue" panose="02000503000000020004" pitchFamily="2" charset="0"/>
-              </a:rPr>
-              <a:t>Maintains data formats consistent with AIRR</a:t>
-            </a:r>
-          </a:p>
-          <a:p>
-            <a:pPr marL="514350" indent="-514350">
-              <a:lnSpc>
-                <a:spcPct val="150000"/>
-              </a:lnSpc>
-              <a:buAutoNum type="arabicPeriod"/>
-            </a:pPr>
-            <a:r>
-              <a:rPr lang="en-US" sz="2800" dirty="0">
-                <a:latin typeface="Helvetica Neue" panose="02000503000000020004" pitchFamily="2" charset="0"/>
-                <a:ea typeface="Helvetica Neue" panose="02000503000000020004" pitchFamily="2" charset="0"/>
-                <a:cs typeface="Helvetica Neue" panose="02000503000000020004" pitchFamily="2" charset="0"/>
-              </a:rPr>
-              <a:t>Completely open source (MIT License)</a:t>
+              <a:rPr lang="en-US" dirty="0"/>
+              <a:t>We needed a portable, semantic, versioned and tested pipeline. </a:t>
+            </a:r>
+          </a:p>
+          <a:p>
+            <a:endParaRPr lang="en-US" dirty="0"/>
+          </a:p>
+          <a:p>
+            <a:r>
+              <a:rPr lang="en-US" dirty="0"/>
+              <a:t>Look for SADIE in two G001 manuscripts that are (almost) submitted.</a:t>
+            </a:r>
+          </a:p>
+          <a:p>
+            <a:r>
+              <a:rPr lang="en-US" dirty="0"/>
+              <a:t>	  </a:t>
             </a:r>
           </a:p>
         </p:txBody>
@@ -4154,7 +4259,7 @@
     </p:spTree>
     <p:extLst>
       <p:ext uri="{BB962C8B-B14F-4D97-AF65-F5344CB8AC3E}">
-        <p14:creationId xmlns:p14="http://schemas.microsoft.com/office/powerpoint/2010/main" val="3335194985"/>
+        <p14:creationId xmlns:p14="http://schemas.microsoft.com/office/powerpoint/2010/main" val="210961347"/>
       </p:ext>
     </p:extLst>
   </p:cSld>
@@ -4181,6 +4286,235 @@
           <a:chExt cx="0" cy="0"/>
         </a:xfrm>
       </p:grpSpPr>
+      <p:sp>
+        <p:nvSpPr>
+          <p:cNvPr id="3" name="TextBox 2">
+            <a:extLst>
+              <a:ext uri="{FF2B5EF4-FFF2-40B4-BE49-F238E27FC236}">
+                <a16:creationId xmlns:a16="http://schemas.microsoft.com/office/drawing/2014/main" id="{749970F0-1EE4-53CC-EED1-FB8E097E6F23}"/>
+              </a:ext>
+            </a:extLst>
+          </p:cNvPr>
+          <p:cNvSpPr txBox="1"/>
+          <p:nvPr/>
+        </p:nvSpPr>
+        <p:spPr>
+          <a:xfrm>
+            <a:off x="260985" y="249160"/>
+            <a:ext cx="11670030" cy="5376665"/>
+          </a:xfrm>
+          <a:prstGeom prst="rect">
+            <a:avLst/>
+          </a:prstGeom>
+          <a:noFill/>
+        </p:spPr>
+        <p:txBody>
+          <a:bodyPr wrap="square" rtlCol="0" anchor="ctr">
+            <a:spAutoFit/>
+          </a:bodyPr>
+          <a:lstStyle/>
+          <a:p>
+            <a:r>
+              <a:rPr lang="en-US" sz="2400" dirty="0">
+                <a:latin typeface="Helvetica Neue" panose="02000503000000020004" pitchFamily="2" charset="0"/>
+                <a:ea typeface="Helvetica Neue" panose="02000503000000020004" pitchFamily="2" charset="0"/>
+                <a:cs typeface="Helvetica Neue" panose="02000503000000020004" pitchFamily="2" charset="0"/>
+              </a:rPr>
+              <a:t>SADIE is:</a:t>
+            </a:r>
+          </a:p>
+          <a:p>
+            <a:pPr marL="514350" indent="-514350">
+              <a:lnSpc>
+                <a:spcPct val="150000"/>
+              </a:lnSpc>
+              <a:buAutoNum type="arabicPeriod"/>
+            </a:pPr>
+            <a:r>
+              <a:rPr lang="en-US" sz="2400" dirty="0">
+                <a:latin typeface="Helvetica Neue" panose="02000503000000020004" pitchFamily="2" charset="0"/>
+                <a:ea typeface="Helvetica Neue" panose="02000503000000020004" pitchFamily="2" charset="0"/>
+                <a:cs typeface="Helvetica Neue" panose="02000503000000020004" pitchFamily="2" charset="0"/>
+              </a:rPr>
+              <a:t>A low-, mid- and high-level API library for </a:t>
+            </a:r>
+            <a:r>
+              <a:rPr lang="en-US" sz="2400" dirty="0" err="1">
+                <a:latin typeface="Helvetica Neue" panose="02000503000000020004" pitchFamily="2" charset="0"/>
+                <a:ea typeface="Helvetica Neue" panose="02000503000000020004" pitchFamily="2" charset="0"/>
+                <a:cs typeface="Helvetica Neue" panose="02000503000000020004" pitchFamily="2" charset="0"/>
+              </a:rPr>
+              <a:t>immunoinformatics</a:t>
+            </a:r>
+            <a:r>
+              <a:rPr lang="en-US" sz="2400" dirty="0">
+                <a:latin typeface="Helvetica Neue" panose="02000503000000020004" pitchFamily="2" charset="0"/>
+                <a:ea typeface="Helvetica Neue" panose="02000503000000020004" pitchFamily="2" charset="0"/>
+                <a:cs typeface="Helvetica Neue" panose="02000503000000020004" pitchFamily="2" charset="0"/>
+              </a:rPr>
+              <a:t>. </a:t>
+            </a:r>
+          </a:p>
+          <a:p>
+            <a:pPr marL="514350" indent="-514350">
+              <a:lnSpc>
+                <a:spcPct val="150000"/>
+              </a:lnSpc>
+              <a:buAutoNum type="arabicPeriod"/>
+            </a:pPr>
+            <a:r>
+              <a:rPr lang="en-US" sz="2400" dirty="0">
+                <a:latin typeface="Helvetica Neue" panose="02000503000000020004" pitchFamily="2" charset="0"/>
+                <a:ea typeface="Helvetica Neue" panose="02000503000000020004" pitchFamily="2" charset="0"/>
+                <a:cs typeface="Helvetica Neue" panose="02000503000000020004" pitchFamily="2" charset="0"/>
+              </a:rPr>
+              <a:t>Testable, reusable and portable Python library.</a:t>
+            </a:r>
+          </a:p>
+          <a:p>
+            <a:pPr marL="514350" indent="-514350">
+              <a:lnSpc>
+                <a:spcPct val="150000"/>
+              </a:lnSpc>
+              <a:buAutoNum type="arabicPeriod"/>
+            </a:pPr>
+            <a:r>
+              <a:rPr lang="en-US" sz="2400" dirty="0">
+                <a:latin typeface="Helvetica Neue" panose="02000503000000020004" pitchFamily="2" charset="0"/>
+                <a:ea typeface="Helvetica Neue" panose="02000503000000020004" pitchFamily="2" charset="0"/>
+                <a:cs typeface="Helvetica Neue" panose="02000503000000020004" pitchFamily="2" charset="0"/>
+              </a:rPr>
+              <a:t>One step installation.</a:t>
+            </a:r>
+          </a:p>
+          <a:p>
+            <a:pPr marL="514350" indent="-514350">
+              <a:lnSpc>
+                <a:spcPct val="150000"/>
+              </a:lnSpc>
+              <a:buAutoNum type="arabicPeriod"/>
+            </a:pPr>
+            <a:r>
+              <a:rPr lang="en-US" sz="2400" dirty="0">
+                <a:latin typeface="Helvetica Neue" panose="02000503000000020004" pitchFamily="2" charset="0"/>
+                <a:ea typeface="Helvetica Neue" panose="02000503000000020004" pitchFamily="2" charset="0"/>
+                <a:cs typeface="Helvetica Neue" panose="02000503000000020004" pitchFamily="2" charset="0"/>
+              </a:rPr>
+              <a:t>Provide a customized and verified germline reference library</a:t>
+            </a:r>
+          </a:p>
+          <a:p>
+            <a:pPr marL="514350" indent="-514350">
+              <a:lnSpc>
+                <a:spcPct val="150000"/>
+              </a:lnSpc>
+              <a:buAutoNum type="arabicPeriod"/>
+            </a:pPr>
+            <a:r>
+              <a:rPr lang="en-US" sz="2400" dirty="0">
+                <a:latin typeface="Helvetica Neue" panose="02000503000000020004" pitchFamily="2" charset="0"/>
+                <a:ea typeface="Helvetica Neue" panose="02000503000000020004" pitchFamily="2" charset="0"/>
+                <a:cs typeface="Helvetica Neue" panose="02000503000000020004" pitchFamily="2" charset="0"/>
+              </a:rPr>
+              <a:t>Creates germline references on the fly</a:t>
+            </a:r>
+          </a:p>
+          <a:p>
+            <a:pPr marL="514350" indent="-514350">
+              <a:lnSpc>
+                <a:spcPct val="150000"/>
+              </a:lnSpc>
+              <a:buAutoNum type="arabicPeriod"/>
+            </a:pPr>
+            <a:r>
+              <a:rPr lang="en-US" sz="2400" dirty="0">
+                <a:latin typeface="Helvetica Neue" panose="02000503000000020004" pitchFamily="2" charset="0"/>
+                <a:ea typeface="Helvetica Neue" panose="02000503000000020004" pitchFamily="2" charset="0"/>
+                <a:cs typeface="Helvetica Neue" panose="02000503000000020004" pitchFamily="2" charset="0"/>
+              </a:rPr>
+              <a:t>Maintains data formats consistent with AIRR</a:t>
+            </a:r>
+          </a:p>
+          <a:p>
+            <a:pPr marL="514350" indent="-514350">
+              <a:lnSpc>
+                <a:spcPct val="150000"/>
+              </a:lnSpc>
+              <a:buAutoNum type="arabicPeriod"/>
+            </a:pPr>
+            <a:r>
+              <a:rPr lang="en-US" sz="2400" dirty="0">
+                <a:latin typeface="Helvetica Neue" panose="02000503000000020004" pitchFamily="2" charset="0"/>
+                <a:ea typeface="Helvetica Neue" panose="02000503000000020004" pitchFamily="2" charset="0"/>
+                <a:cs typeface="Helvetica Neue" panose="02000503000000020004" pitchFamily="2" charset="0"/>
+              </a:rPr>
+              <a:t>Static type hints!</a:t>
+            </a:r>
+          </a:p>
+          <a:p>
+            <a:pPr marL="514350" indent="-514350">
+              <a:lnSpc>
+                <a:spcPct val="150000"/>
+              </a:lnSpc>
+              <a:buAutoNum type="arabicPeriod"/>
+            </a:pPr>
+            <a:r>
+              <a:rPr lang="en-US" sz="2400" dirty="0">
+                <a:latin typeface="Helvetica Neue" panose="02000503000000020004" pitchFamily="2" charset="0"/>
+                <a:ea typeface="Helvetica Neue" panose="02000503000000020004" pitchFamily="2" charset="0"/>
+                <a:cs typeface="Helvetica Neue" panose="02000503000000020004" pitchFamily="2" charset="0"/>
+              </a:rPr>
+              <a:t>Maintainable and readable code open for contribution ( no technical debt)</a:t>
+            </a:r>
+          </a:p>
+          <a:p>
+            <a:pPr marL="514350" indent="-514350">
+              <a:lnSpc>
+                <a:spcPct val="150000"/>
+              </a:lnSpc>
+              <a:buAutoNum type="arabicPeriod"/>
+            </a:pPr>
+            <a:r>
+              <a:rPr lang="en-US" sz="2400" dirty="0">
+                <a:latin typeface="Helvetica Neue" panose="02000503000000020004" pitchFamily="2" charset="0"/>
+                <a:ea typeface="Helvetica Neue" panose="02000503000000020004" pitchFamily="2" charset="0"/>
+                <a:cs typeface="Helvetica Neue" panose="02000503000000020004" pitchFamily="2" charset="0"/>
+              </a:rPr>
+              <a:t>Completely open source (MIT License)</a:t>
+            </a:r>
+          </a:p>
+        </p:txBody>
+      </p:sp>
+    </p:spTree>
+    <p:extLst>
+      <p:ext uri="{BB962C8B-B14F-4D97-AF65-F5344CB8AC3E}">
+        <p14:creationId xmlns:p14="http://schemas.microsoft.com/office/powerpoint/2010/main" val="3335194985"/>
+      </p:ext>
+    </p:extLst>
+  </p:cSld>
+  <p:clrMapOvr>
+    <a:masterClrMapping/>
+  </p:clrMapOvr>
+</p:sld>
+</file>
+
+<file path=ppt/slides/slide5.xml><?xml version="1.0" encoding="utf-8"?>
+<p:sld xmlns:a="http://schemas.openxmlformats.org/drawingml/2006/main" xmlns:r="http://schemas.openxmlformats.org/officeDocument/2006/relationships" xmlns:p="http://schemas.openxmlformats.org/presentationml/2006/main">
+  <p:cSld>
+    <p:spTree>
+      <p:nvGrpSpPr>
+        <p:cNvPr id="1" name=""/>
+        <p:cNvGrpSpPr/>
+        <p:nvPr/>
+      </p:nvGrpSpPr>
+      <p:grpSpPr>
+        <a:xfrm>
+          <a:off x="0" y="0"/>
+          <a:ext cx="0" cy="0"/>
+          <a:chOff x="0" y="0"/>
+          <a:chExt cx="0" cy="0"/>
+        </a:xfrm>
+      </p:grpSpPr>
       <p:pic>
         <p:nvPicPr>
           <p:cNvPr id="2" name="Picture 1">
@@ -4203,18 +4537,236 @@
         </p:blipFill>
         <p:spPr>
           <a:xfrm>
-            <a:off x="1411589" y="571500"/>
-            <a:ext cx="8935419" cy="5886449"/>
+            <a:off x="2340278" y="1037335"/>
+            <a:ext cx="7260924" cy="4783330"/>
           </a:xfrm>
           <a:prstGeom prst="rect">
             <a:avLst/>
           </a:prstGeom>
         </p:spPr>
       </p:pic>
+      <p:sp>
+        <p:nvSpPr>
+          <p:cNvPr id="3" name="TextBox 2">
+            <a:extLst>
+              <a:ext uri="{FF2B5EF4-FFF2-40B4-BE49-F238E27FC236}">
+                <a16:creationId xmlns:a16="http://schemas.microsoft.com/office/drawing/2014/main" id="{0E072242-7CF9-4C6B-5539-06E0A76C8162}"/>
+              </a:ext>
+            </a:extLst>
+          </p:cNvPr>
+          <p:cNvSpPr txBox="1"/>
+          <p:nvPr/>
+        </p:nvSpPr>
+        <p:spPr>
+          <a:xfrm>
+            <a:off x="166687" y="173594"/>
+            <a:ext cx="5929313" cy="461665"/>
+          </a:xfrm>
+          <a:prstGeom prst="rect">
+            <a:avLst/>
+          </a:prstGeom>
+          <a:noFill/>
+        </p:spPr>
+        <p:txBody>
+          <a:bodyPr wrap="square" rtlCol="0">
+            <a:spAutoFit/>
+          </a:bodyPr>
+          <a:lstStyle/>
+          <a:p>
+            <a:r>
+              <a:rPr lang="en-US" sz="2400" dirty="0">
+                <a:solidFill>
+                  <a:srgbClr val="FF0000"/>
+                </a:solidFill>
+                <a:latin typeface="Helvetica" pitchFamily="2" charset="0"/>
+              </a:rPr>
+              <a:t>We are in an active development phase </a:t>
+            </a:r>
+          </a:p>
+        </p:txBody>
+      </p:sp>
     </p:spTree>
     <p:extLst>
       <p:ext uri="{BB962C8B-B14F-4D97-AF65-F5344CB8AC3E}">
         <p14:creationId xmlns:p14="http://schemas.microsoft.com/office/powerpoint/2010/main" val="3827147334"/>
+      </p:ext>
+    </p:extLst>
+  </p:cSld>
+  <p:clrMapOvr>
+    <a:masterClrMapping/>
+  </p:clrMapOvr>
+</p:sld>
+</file>
+
+<file path=ppt/slides/slide6.xml><?xml version="1.0" encoding="utf-8"?>
+<p:sld xmlns:a="http://schemas.openxmlformats.org/drawingml/2006/main" xmlns:r="http://schemas.openxmlformats.org/officeDocument/2006/relationships" xmlns:p="http://schemas.openxmlformats.org/presentationml/2006/main">
+  <p:cSld>
+    <p:spTree>
+      <p:nvGrpSpPr>
+        <p:cNvPr id="1" name=""/>
+        <p:cNvGrpSpPr/>
+        <p:nvPr/>
+      </p:nvGrpSpPr>
+      <p:grpSpPr>
+        <a:xfrm>
+          <a:off x="0" y="0"/>
+          <a:ext cx="0" cy="0"/>
+          <a:chOff x="0" y="0"/>
+          <a:chExt cx="0" cy="0"/>
+        </a:xfrm>
+      </p:grpSpPr>
+      <p:sp>
+        <p:nvSpPr>
+          <p:cNvPr id="3" name="TextBox 2">
+            <a:extLst>
+              <a:ext uri="{FF2B5EF4-FFF2-40B4-BE49-F238E27FC236}">
+                <a16:creationId xmlns:a16="http://schemas.microsoft.com/office/drawing/2014/main" id="{0E072242-7CF9-4C6B-5539-06E0A76C8162}"/>
+              </a:ext>
+            </a:extLst>
+          </p:cNvPr>
+          <p:cNvSpPr txBox="1"/>
+          <p:nvPr/>
+        </p:nvSpPr>
+        <p:spPr>
+          <a:xfrm>
+            <a:off x="261937" y="30719"/>
+            <a:ext cx="5929313" cy="369332"/>
+          </a:xfrm>
+          <a:prstGeom prst="rect">
+            <a:avLst/>
+          </a:prstGeom>
+          <a:noFill/>
+        </p:spPr>
+        <p:txBody>
+          <a:bodyPr wrap="square" rtlCol="0">
+            <a:spAutoFit/>
+          </a:bodyPr>
+          <a:lstStyle/>
+          <a:p>
+            <a:r>
+              <a:rPr lang="en-US" dirty="0">
+                <a:solidFill>
+                  <a:srgbClr val="FF0000"/>
+                </a:solidFill>
+              </a:rPr>
+              <a:t>We are in an active development phase </a:t>
+            </a:r>
+          </a:p>
+        </p:txBody>
+      </p:sp>
+      <p:sp>
+        <p:nvSpPr>
+          <p:cNvPr id="4" name="TextBox 3">
+            <a:extLst>
+              <a:ext uri="{FF2B5EF4-FFF2-40B4-BE49-F238E27FC236}">
+                <a16:creationId xmlns:a16="http://schemas.microsoft.com/office/drawing/2014/main" id="{029344AC-82EE-761C-FCDD-F22C28861AED}"/>
+              </a:ext>
+            </a:extLst>
+          </p:cNvPr>
+          <p:cNvSpPr txBox="1"/>
+          <p:nvPr/>
+        </p:nvSpPr>
+        <p:spPr>
+          <a:xfrm>
+            <a:off x="542925" y="1071563"/>
+            <a:ext cx="11144250" cy="3139321"/>
+          </a:xfrm>
+          <a:prstGeom prst="rect">
+            <a:avLst/>
+          </a:prstGeom>
+          <a:noFill/>
+        </p:spPr>
+        <p:txBody>
+          <a:bodyPr wrap="square" rtlCol="0">
+            <a:spAutoFit/>
+          </a:bodyPr>
+          <a:lstStyle/>
+          <a:p>
+            <a:r>
+              <a:rPr lang="en-US" dirty="0"/>
+              <a:t>Before we release stable 1.0:</a:t>
+            </a:r>
+          </a:p>
+          <a:p>
+            <a:endParaRPr lang="en-US" dirty="0"/>
+          </a:p>
+          <a:p>
+            <a:pPr marL="342900" indent="-342900">
+              <a:buAutoNum type="arabicPeriod"/>
+            </a:pPr>
+            <a:r>
+              <a:rPr lang="en-US" dirty="0"/>
+              <a:t>TCR sequences in our curated web API </a:t>
+            </a:r>
+          </a:p>
+          <a:p>
+            <a:pPr marL="342900" indent="-342900">
+              <a:buAutoNum type="arabicPeriod"/>
+            </a:pPr>
+            <a:r>
+              <a:rPr lang="en-US" dirty="0"/>
+              <a:t>100% coverage</a:t>
+            </a:r>
+          </a:p>
+          <a:p>
+            <a:pPr marL="342900" indent="-342900">
+              <a:buAutoNum type="arabicPeriod"/>
+            </a:pPr>
+            <a:r>
+              <a:rPr lang="en-US" dirty="0"/>
+              <a:t>Windows and ARM build</a:t>
+            </a:r>
+          </a:p>
+          <a:p>
+            <a:pPr marL="342900" indent="-342900">
+              <a:buAutoNum type="arabicPeriod"/>
+            </a:pPr>
+            <a:r>
+              <a:rPr lang="en-US" dirty="0"/>
+              <a:t>100% documentation</a:t>
+            </a:r>
+          </a:p>
+          <a:p>
+            <a:pPr marL="342900" indent="-342900">
+              <a:buAutoNum type="arabicPeriod"/>
+            </a:pPr>
+            <a:endParaRPr lang="en-US" dirty="0"/>
+          </a:p>
+          <a:p>
+            <a:endParaRPr lang="en-US" dirty="0"/>
+          </a:p>
+          <a:p>
+            <a:r>
+              <a:rPr lang="en-US" dirty="0">
+                <a:hlinkClick r:id="rId2"/>
+              </a:rPr>
+              <a:t>https://g3.jordanrwillis.com/docs</a:t>
+            </a:r>
+            <a:endParaRPr lang="en-US" dirty="0"/>
+          </a:p>
+          <a:p>
+            <a:endParaRPr lang="en-US" dirty="0"/>
+          </a:p>
+          <a:p>
+            <a:r>
+              <a:rPr lang="en-US" dirty="0"/>
+              <a:t>https://</a:t>
+            </a:r>
+            <a:r>
+              <a:rPr lang="en-US" dirty="0" err="1"/>
+              <a:t>sadie.jordanrwillis.com</a:t>
+            </a:r>
+            <a:r>
+              <a:rPr lang="en-US" dirty="0"/>
+              <a:t>/docs</a:t>
+            </a:r>
+          </a:p>
+        </p:txBody>
+      </p:sp>
+    </p:spTree>
+    <p:extLst>
+      <p:ext uri="{BB962C8B-B14F-4D97-AF65-F5344CB8AC3E}">
+        <p14:creationId xmlns:p14="http://schemas.microsoft.com/office/powerpoint/2010/main" val="1413486020"/>
       </p:ext>
     </p:extLst>
   </p:cSld>

--- a/notebooks/airr_c/SADIE_AIRR_C_2022.pptx
+++ b/notebooks/airr_c/SADIE_AIRR_C_2022.pptx
@@ -4560,7 +4560,7 @@
         <p:spPr>
           <a:xfrm>
             <a:off x="166687" y="173594"/>
-            <a:ext cx="5929313" cy="461665"/>
+            <a:ext cx="7462838" cy="523220"/>
           </a:xfrm>
           <a:prstGeom prst="rect">
             <a:avLst/>
@@ -4574,7 +4574,7 @@
           <a:lstStyle/>
           <a:p>
             <a:r>
-              <a:rPr lang="en-US" sz="2400" dirty="0">
+              <a:rPr lang="en-US" sz="2800" dirty="0">
                 <a:solidFill>
                   <a:srgbClr val="FF0000"/>
                 </a:solidFill>
@@ -4668,7 +4668,7 @@
         </p:nvSpPr>
         <p:spPr>
           <a:xfrm>
-            <a:off x="542925" y="1071563"/>
+            <a:off x="523875" y="823952"/>
             <a:ext cx="11144250" cy="3139321"/>
           </a:xfrm>
           <a:prstGeom prst="rect">
@@ -4749,17 +4749,444 @@
           </a:p>
           <a:p>
             <a:r>
-              <a:rPr lang="en-US" dirty="0"/>
-              <a:t>https://</a:t>
-            </a:r>
-            <a:r>
-              <a:rPr lang="en-US" dirty="0" err="1"/>
-              <a:t>sadie.jordanrwillis.com</a:t>
-            </a:r>
-            <a:r>
-              <a:rPr lang="en-US" dirty="0"/>
-              <a:t>/docs</a:t>
-            </a:r>
+              <a:rPr lang="en-US" dirty="0">
+                <a:hlinkClick r:id="rId3"/>
+              </a:rPr>
+              <a:t>https://sadie.jordanrwillis.com</a:t>
+            </a:r>
+            <a:endParaRPr lang="en-US" dirty="0"/>
+          </a:p>
+        </p:txBody>
+      </p:sp>
+      <p:sp>
+        <p:nvSpPr>
+          <p:cNvPr id="5" name="TextBox 4">
+            <a:extLst>
+              <a:ext uri="{FF2B5EF4-FFF2-40B4-BE49-F238E27FC236}">
+                <a16:creationId xmlns:a16="http://schemas.microsoft.com/office/drawing/2014/main" id="{40128B55-5A3F-AD7E-1F96-249CFA4D207A}"/>
+              </a:ext>
+            </a:extLst>
+          </p:cNvPr>
+          <p:cNvSpPr txBox="1"/>
+          <p:nvPr/>
+        </p:nvSpPr>
+        <p:spPr>
+          <a:xfrm>
+            <a:off x="6588263" y="235201"/>
+            <a:ext cx="3498849" cy="1015663"/>
+          </a:xfrm>
+          <a:prstGeom prst="rect">
+            <a:avLst/>
+          </a:prstGeom>
+          <a:noFill/>
+        </p:spPr>
+        <p:txBody>
+          <a:bodyPr wrap="square" rtlCol="0">
+            <a:spAutoFit/>
+          </a:bodyPr>
+          <a:lstStyle/>
+          <a:p>
+            <a:pPr algn="ctr"/>
+            <a:r>
+              <a:rPr lang="en-US" sz="2400" u="sng" dirty="0">
+                <a:latin typeface="Helvetica" pitchFamily="2" charset="0"/>
+              </a:rPr>
+              <a:t>Acknowledgements:</a:t>
+            </a:r>
+          </a:p>
+          <a:p>
+            <a:pPr algn="ctr"/>
+            <a:endParaRPr lang="en-US" dirty="0"/>
+          </a:p>
+          <a:p>
+            <a:pPr algn="ctr"/>
+            <a:endParaRPr lang="en-US" dirty="0"/>
+          </a:p>
+        </p:txBody>
+      </p:sp>
+      <p:pic>
+        <p:nvPicPr>
+          <p:cNvPr id="1026" name="Picture 2" descr="Troy Sincomb">
+            <a:extLst>
+              <a:ext uri="{FF2B5EF4-FFF2-40B4-BE49-F238E27FC236}">
+                <a16:creationId xmlns:a16="http://schemas.microsoft.com/office/drawing/2014/main" id="{21FAD35C-B6E5-E721-5F17-5E499B39AC9D}"/>
+              </a:ext>
+            </a:extLst>
+          </p:cNvPr>
+          <p:cNvPicPr>
+            <a:picLocks noChangeAspect="1" noChangeArrowheads="1"/>
+          </p:cNvPicPr>
+          <p:nvPr/>
+        </p:nvPicPr>
+        <p:blipFill>
+          <a:blip r:embed="rId4">
+            <a:extLst>
+              <a:ext uri="{28A0092B-C50C-407E-A947-70E740481C1C}">
+                <a14:useLocalDpi xmlns:a14="http://schemas.microsoft.com/office/drawing/2010/main" val="0"/>
+              </a:ext>
+            </a:extLst>
+          </a:blip>
+          <a:srcRect/>
+          <a:stretch>
+            <a:fillRect/>
+          </a:stretch>
+        </p:blipFill>
+        <p:spPr bwMode="auto">
+          <a:xfrm>
+            <a:off x="4650557" y="1641297"/>
+            <a:ext cx="2304288" cy="2304288"/>
+          </a:xfrm>
+          <a:prstGeom prst="ellipse">
+            <a:avLst/>
+          </a:prstGeom>
+          <a:ln w="63500" cap="rnd">
+            <a:solidFill>
+              <a:srgbClr val="333333"/>
+            </a:solidFill>
+          </a:ln>
+          <a:effectLst>
+            <a:outerShdw blurRad="381000" dist="292100" dir="5400000" sx="-80000" sy="-18000" rotWithShape="0">
+              <a:srgbClr val="000000">
+                <a:alpha val="22000"/>
+              </a:srgbClr>
+            </a:outerShdw>
+          </a:effectLst>
+          <a:scene3d>
+            <a:camera prst="orthographicFront"/>
+            <a:lightRig rig="contrasting" dir="t">
+              <a:rot lat="0" lon="0" rev="3000000"/>
+            </a:lightRig>
+          </a:scene3d>
+          <a:sp3d contourW="7620">
+            <a:bevelT w="95250" h="31750"/>
+            <a:contourClr>
+              <a:srgbClr val="333333"/>
+            </a:contourClr>
+          </a:sp3d>
+          <a:extLst>
+            <a:ext uri="{909E8E84-426E-40DD-AFC4-6F175D3DCCD1}">
+              <a14:hiddenFill xmlns:a14="http://schemas.microsoft.com/office/drawing/2010/main">
+                <a:solidFill>
+                  <a:srgbClr val="FFFFFF"/>
+                </a:solidFill>
+              </a14:hiddenFill>
+            </a:ext>
+          </a:extLst>
+        </p:spPr>
+      </p:pic>
+      <p:sp>
+        <p:nvSpPr>
+          <p:cNvPr id="6" name="TextBox 5">
+            <a:extLst>
+              <a:ext uri="{FF2B5EF4-FFF2-40B4-BE49-F238E27FC236}">
+                <a16:creationId xmlns:a16="http://schemas.microsoft.com/office/drawing/2014/main" id="{07523415-9911-F1F2-8F9B-D3B46DD00E7C}"/>
+              </a:ext>
+            </a:extLst>
+          </p:cNvPr>
+          <p:cNvSpPr txBox="1"/>
+          <p:nvPr/>
+        </p:nvSpPr>
+        <p:spPr>
+          <a:xfrm>
+            <a:off x="4988594" y="988590"/>
+            <a:ext cx="1599669" cy="369332"/>
+          </a:xfrm>
+          <a:prstGeom prst="rect">
+            <a:avLst/>
+          </a:prstGeom>
+          <a:noFill/>
+        </p:spPr>
+        <p:txBody>
+          <a:bodyPr wrap="none" rtlCol="0">
+            <a:spAutoFit/>
+          </a:bodyPr>
+          <a:lstStyle/>
+          <a:p>
+            <a:r>
+              <a:rPr lang="en-US" dirty="0">
+                <a:latin typeface="Helvetica" pitchFamily="2" charset="0"/>
+              </a:rPr>
+              <a:t>Troy </a:t>
+            </a:r>
+            <a:r>
+              <a:rPr lang="en-US" dirty="0" err="1">
+                <a:latin typeface="Helvetica" pitchFamily="2" charset="0"/>
+              </a:rPr>
+              <a:t>Sincomb</a:t>
+            </a:r>
+            <a:endParaRPr lang="en-US" dirty="0">
+              <a:latin typeface="Helvetica" pitchFamily="2" charset="0"/>
+            </a:endParaRPr>
+          </a:p>
+        </p:txBody>
+      </p:sp>
+      <p:pic>
+        <p:nvPicPr>
+          <p:cNvPr id="1028" name="Picture 4" descr="Ana Lujan">
+            <a:extLst>
+              <a:ext uri="{FF2B5EF4-FFF2-40B4-BE49-F238E27FC236}">
+                <a16:creationId xmlns:a16="http://schemas.microsoft.com/office/drawing/2014/main" id="{B8649E40-C7B0-69A8-1502-5F60BB4BCF33}"/>
+              </a:ext>
+            </a:extLst>
+          </p:cNvPr>
+          <p:cNvPicPr>
+            <a:picLocks noChangeAspect="1" noChangeArrowheads="1"/>
+          </p:cNvPicPr>
+          <p:nvPr/>
+        </p:nvPicPr>
+        <p:blipFill>
+          <a:blip r:embed="rId5">
+            <a:extLst>
+              <a:ext uri="{28A0092B-C50C-407E-A947-70E740481C1C}">
+                <a14:useLocalDpi xmlns:a14="http://schemas.microsoft.com/office/drawing/2010/main" val="0"/>
+              </a:ext>
+            </a:extLst>
+          </a:blip>
+          <a:srcRect/>
+          <a:stretch>
+            <a:fillRect/>
+          </a:stretch>
+        </p:blipFill>
+        <p:spPr bwMode="auto">
+          <a:xfrm>
+            <a:off x="7185543" y="1674765"/>
+            <a:ext cx="2304288" cy="2304288"/>
+          </a:xfrm>
+          <a:prstGeom prst="ellipse">
+            <a:avLst/>
+          </a:prstGeom>
+          <a:ln w="63500" cap="rnd">
+            <a:solidFill>
+              <a:srgbClr val="333333"/>
+            </a:solidFill>
+          </a:ln>
+          <a:effectLst>
+            <a:outerShdw blurRad="381000" dist="292100" dir="5400000" sx="-80000" sy="-18000" rotWithShape="0">
+              <a:srgbClr val="000000">
+                <a:alpha val="22000"/>
+              </a:srgbClr>
+            </a:outerShdw>
+          </a:effectLst>
+          <a:scene3d>
+            <a:camera prst="orthographicFront"/>
+            <a:lightRig rig="contrasting" dir="t">
+              <a:rot lat="0" lon="0" rev="3000000"/>
+            </a:lightRig>
+          </a:scene3d>
+          <a:sp3d contourW="7620">
+            <a:bevelT w="95250" h="31750"/>
+            <a:contourClr>
+              <a:srgbClr val="333333"/>
+            </a:contourClr>
+          </a:sp3d>
+          <a:extLst>
+            <a:ext uri="{909E8E84-426E-40DD-AFC4-6F175D3DCCD1}">
+              <a14:hiddenFill xmlns:a14="http://schemas.microsoft.com/office/drawing/2010/main">
+                <a:solidFill>
+                  <a:srgbClr val="FFFFFF"/>
+                </a:solidFill>
+              </a14:hiddenFill>
+            </a:ext>
+          </a:extLst>
+        </p:spPr>
+      </p:pic>
+      <p:sp>
+        <p:nvSpPr>
+          <p:cNvPr id="9" name="TextBox 8">
+            <a:extLst>
+              <a:ext uri="{FF2B5EF4-FFF2-40B4-BE49-F238E27FC236}">
+                <a16:creationId xmlns:a16="http://schemas.microsoft.com/office/drawing/2014/main" id="{813C88E8-9469-BB62-8D5F-C6A1AD831F03}"/>
+              </a:ext>
+            </a:extLst>
+          </p:cNvPr>
+          <p:cNvSpPr txBox="1"/>
+          <p:nvPr/>
+        </p:nvSpPr>
+        <p:spPr>
+          <a:xfrm>
+            <a:off x="7725981" y="988590"/>
+            <a:ext cx="1223412" cy="369332"/>
+          </a:xfrm>
+          <a:prstGeom prst="rect">
+            <a:avLst/>
+          </a:prstGeom>
+          <a:noFill/>
+        </p:spPr>
+        <p:txBody>
+          <a:bodyPr wrap="none" rtlCol="0">
+            <a:spAutoFit/>
+          </a:bodyPr>
+          <a:lstStyle/>
+          <a:p>
+            <a:r>
+              <a:rPr lang="en-US" dirty="0">
+                <a:latin typeface="Helvetica" pitchFamily="2" charset="0"/>
+              </a:rPr>
+              <a:t>Ana Lujan</a:t>
+            </a:r>
+          </a:p>
+        </p:txBody>
+      </p:sp>
+      <p:pic>
+        <p:nvPicPr>
+          <p:cNvPr id="1030" name="Picture 6" descr="Christopher Cottrell">
+            <a:extLst>
+              <a:ext uri="{FF2B5EF4-FFF2-40B4-BE49-F238E27FC236}">
+                <a16:creationId xmlns:a16="http://schemas.microsoft.com/office/drawing/2014/main" id="{B4A6FFCE-F9E2-64B6-2137-EE0736F695B9}"/>
+              </a:ext>
+            </a:extLst>
+          </p:cNvPr>
+          <p:cNvPicPr>
+            <a:picLocks noChangeAspect="1" noChangeArrowheads="1"/>
+          </p:cNvPicPr>
+          <p:nvPr/>
+        </p:nvPicPr>
+        <p:blipFill>
+          <a:blip r:embed="rId6">
+            <a:extLst>
+              <a:ext uri="{28A0092B-C50C-407E-A947-70E740481C1C}">
+                <a14:useLocalDpi xmlns:a14="http://schemas.microsoft.com/office/drawing/2010/main" val="0"/>
+              </a:ext>
+            </a:extLst>
+          </a:blip>
+          <a:srcRect/>
+          <a:stretch>
+            <a:fillRect/>
+          </a:stretch>
+        </p:blipFill>
+        <p:spPr bwMode="auto">
+          <a:xfrm>
+            <a:off x="9720529" y="1697233"/>
+            <a:ext cx="2304288" cy="2304288"/>
+          </a:xfrm>
+          <a:prstGeom prst="ellipse">
+            <a:avLst/>
+          </a:prstGeom>
+          <a:ln w="63500" cap="rnd">
+            <a:solidFill>
+              <a:srgbClr val="333333"/>
+            </a:solidFill>
+          </a:ln>
+          <a:effectLst>
+            <a:outerShdw blurRad="381000" dist="292100" dir="5400000" sx="-80000" sy="-18000" rotWithShape="0">
+              <a:srgbClr val="000000">
+                <a:alpha val="22000"/>
+              </a:srgbClr>
+            </a:outerShdw>
+          </a:effectLst>
+          <a:scene3d>
+            <a:camera prst="orthographicFront"/>
+            <a:lightRig rig="contrasting" dir="t">
+              <a:rot lat="0" lon="0" rev="3000000"/>
+            </a:lightRig>
+          </a:scene3d>
+          <a:sp3d contourW="7620">
+            <a:bevelT w="95250" h="31750"/>
+            <a:contourClr>
+              <a:srgbClr val="333333"/>
+            </a:contourClr>
+          </a:sp3d>
+          <a:extLst>
+            <a:ext uri="{909E8E84-426E-40DD-AFC4-6F175D3DCCD1}">
+              <a14:hiddenFill xmlns:a14="http://schemas.microsoft.com/office/drawing/2010/main">
+                <a:solidFill>
+                  <a:srgbClr val="FFFFFF"/>
+                </a:solidFill>
+              </a14:hiddenFill>
+            </a:ext>
+          </a:extLst>
+        </p:spPr>
+      </p:pic>
+      <p:sp>
+        <p:nvSpPr>
+          <p:cNvPr id="11" name="TextBox 10">
+            <a:extLst>
+              <a:ext uri="{FF2B5EF4-FFF2-40B4-BE49-F238E27FC236}">
+                <a16:creationId xmlns:a16="http://schemas.microsoft.com/office/drawing/2014/main" id="{F0B591B5-306B-BB44-96A7-9034020EEEF1}"/>
+              </a:ext>
+            </a:extLst>
+          </p:cNvPr>
+          <p:cNvSpPr txBox="1"/>
+          <p:nvPr/>
+        </p:nvSpPr>
+        <p:spPr>
+          <a:xfrm>
+            <a:off x="10260967" y="988590"/>
+            <a:ext cx="1518364" cy="369332"/>
+          </a:xfrm>
+          <a:prstGeom prst="rect">
+            <a:avLst/>
+          </a:prstGeom>
+          <a:noFill/>
+        </p:spPr>
+        <p:txBody>
+          <a:bodyPr wrap="none" rtlCol="0">
+            <a:spAutoFit/>
+          </a:bodyPr>
+          <a:lstStyle/>
+          <a:p>
+            <a:r>
+              <a:rPr lang="en-US" dirty="0">
+                <a:latin typeface="Helvetica" pitchFamily="2" charset="0"/>
+              </a:rPr>
+              <a:t>Chris Cottrell</a:t>
+            </a:r>
+          </a:p>
+        </p:txBody>
+      </p:sp>
+      <p:sp>
+        <p:nvSpPr>
+          <p:cNvPr id="13" name="TextBox 12">
+            <a:extLst>
+              <a:ext uri="{FF2B5EF4-FFF2-40B4-BE49-F238E27FC236}">
+                <a16:creationId xmlns:a16="http://schemas.microsoft.com/office/drawing/2014/main" id="{D3D51026-3F6D-4985-DEBB-7E33F5928161}"/>
+              </a:ext>
+            </a:extLst>
+          </p:cNvPr>
+          <p:cNvSpPr txBox="1"/>
+          <p:nvPr/>
+        </p:nvSpPr>
+        <p:spPr>
+          <a:xfrm>
+            <a:off x="635082" y="5849382"/>
+            <a:ext cx="11144249" cy="369332"/>
+          </a:xfrm>
+          <a:prstGeom prst="rect">
+            <a:avLst/>
+          </a:prstGeom>
+          <a:noFill/>
+        </p:spPr>
+        <p:txBody>
+          <a:bodyPr wrap="square">
+            <a:spAutoFit/>
+          </a:bodyPr>
+          <a:lstStyle/>
+          <a:p>
+            <a:r>
+              <a:rPr lang="en-US" dirty="0">
+                <a:hlinkClick r:id="rId7"/>
+              </a:rPr>
+              <a:t>https://colab.research.google.com/github/jwillis0720/sadie/blob/airr_c/notebooks/</a:t>
+            </a:r>
+            <a:r>
+              <a:rPr lang="en-US" dirty="0" err="1">
+                <a:hlinkClick r:id="rId7"/>
+              </a:rPr>
+              <a:t>airr_c</a:t>
+            </a:r>
+            <a:r>
+              <a:rPr lang="en-US" dirty="0">
+                <a:hlinkClick r:id="rId7"/>
+              </a:rPr>
+              <a:t>/</a:t>
+            </a:r>
+            <a:r>
+              <a:rPr lang="en-US" dirty="0" err="1">
+                <a:hlinkClick r:id="rId7"/>
+              </a:rPr>
+              <a:t>SADIE_DEMO.ipynb</a:t>
+            </a:r>
+            <a:endParaRPr lang="en-US" dirty="0"/>
           </a:p>
         </p:txBody>
       </p:sp>
